--- a/Time_Table.pptx
+++ b/Time_Table.pptx
@@ -9,6 +9,7 @@
     <p:sldId id="257" r:id="rId3"/>
     <p:sldId id="258" r:id="rId4"/>
     <p:sldId id="259" r:id="rId5"/>
+    <p:sldId id="260" r:id="rId6"/>
   </p:sldIdLst>
   <p:sldSz cx="12192000" cy="6858000"/>
   <p:notesSz cx="6858000" cy="9144000"/>
@@ -345,7 +346,7 @@
             <a:fld id="{08B9EBBA-996F-894A-B54A-D6246ED52CEA}" type="datetimeFigureOut">
               <a:rPr lang="en-US" smtClean="0"/>
               <a:pPr/>
-              <a:t>4/13/2022</a:t>
+              <a:t>4/17/2022</a:t>
             </a:fld>
             <a:endParaRPr lang="en-US" dirty="0"/>
           </a:p>
@@ -681,7 +682,7 @@
             <a:fld id="{09B482E8-6E0E-1B4F-B1FD-C69DB9E858D9}" type="datetimeFigureOut">
               <a:rPr lang="en-US" smtClean="0"/>
               <a:pPr/>
-              <a:t>4/13/2022</a:t>
+              <a:t>4/17/2022</a:t>
             </a:fld>
             <a:endParaRPr lang="en-US" dirty="0"/>
           </a:p>
@@ -962,7 +963,7 @@
             <a:fld id="{09B482E8-6E0E-1B4F-B1FD-C69DB9E858D9}" type="datetimeFigureOut">
               <a:rPr lang="en-US" smtClean="0"/>
               <a:pPr/>
-              <a:t>4/13/2022</a:t>
+              <a:t>4/17/2022</a:t>
             </a:fld>
             <a:endParaRPr lang="en-US" dirty="0"/>
           </a:p>
@@ -1533,7 +1534,7 @@
             <a:fld id="{09B482E8-6E0E-1B4F-B1FD-C69DB9E858D9}" type="datetimeFigureOut">
               <a:rPr lang="en-US" smtClean="0"/>
               <a:pPr/>
-              <a:t>4/13/2022</a:t>
+              <a:t>4/17/2022</a:t>
             </a:fld>
             <a:endParaRPr lang="en-US" dirty="0"/>
           </a:p>
@@ -1814,7 +1815,7 @@
             <a:fld id="{09B482E8-6E0E-1B4F-B1FD-C69DB9E858D9}" type="datetimeFigureOut">
               <a:rPr lang="en-US" smtClean="0"/>
               <a:pPr/>
-              <a:t>4/13/2022</a:t>
+              <a:t>4/17/2022</a:t>
             </a:fld>
             <a:endParaRPr lang="en-US" dirty="0"/>
           </a:p>
@@ -2379,7 +2380,7 @@
             <a:fld id="{09B482E8-6E0E-1B4F-B1FD-C69DB9E858D9}" type="datetimeFigureOut">
               <a:rPr lang="en-US" smtClean="0"/>
               <a:pPr/>
-              <a:t>4/13/2022</a:t>
+              <a:t>4/17/2022</a:t>
             </a:fld>
             <a:endParaRPr lang="en-US" dirty="0"/>
           </a:p>
@@ -2709,7 +2710,7 @@
             <a:fld id="{09B482E8-6E0E-1B4F-B1FD-C69DB9E858D9}" type="datetimeFigureOut">
               <a:rPr lang="en-US" smtClean="0"/>
               <a:pPr/>
-              <a:t>4/13/2022</a:t>
+              <a:t>4/17/2022</a:t>
             </a:fld>
             <a:endParaRPr lang="en-US" dirty="0"/>
           </a:p>
@@ -2889,7 +2890,7 @@
             <a:fld id="{C6C52C72-DE31-F449-A4ED-4C594FD91407}" type="datetimeFigureOut">
               <a:rPr lang="en-US" smtClean="0"/>
               <a:pPr/>
-              <a:t>4/13/2022</a:t>
+              <a:t>4/17/2022</a:t>
             </a:fld>
             <a:endParaRPr lang="en-US" dirty="0"/>
           </a:p>
@@ -3129,7 +3130,7 @@
             <a:fld id="{ED62726E-379B-B349-9EED-81ED093FA806}" type="datetimeFigureOut">
               <a:rPr lang="en-US" smtClean="0"/>
               <a:pPr/>
-              <a:t>4/13/2022</a:t>
+              <a:t>4/17/2022</a:t>
             </a:fld>
             <a:endParaRPr lang="en-US" dirty="0"/>
           </a:p>
@@ -3331,7 +3332,7 @@
             <a:fld id="{9B3A1323-8D79-1946-B0D7-40001CF92E9D}" type="datetimeFigureOut">
               <a:rPr lang="en-US" smtClean="0"/>
               <a:pPr/>
-              <a:t>4/13/2022</a:t>
+              <a:t>4/17/2022</a:t>
             </a:fld>
             <a:endParaRPr lang="en-US" dirty="0"/>
           </a:p>
@@ -3609,7 +3610,7 @@
             <a:fld id="{8DFA1846-DA80-1C48-A609-854EA85C59AD}" type="datetimeFigureOut">
               <a:rPr lang="en-US" smtClean="0"/>
               <a:pPr/>
-              <a:t>4/13/2022</a:t>
+              <a:t>4/17/2022</a:t>
             </a:fld>
             <a:endParaRPr lang="en-US" dirty="0"/>
           </a:p>
@@ -3877,7 +3878,7 @@
             <a:fld id="{57302355-E14B-8545-A8F8-0FE83CC9D524}" type="datetimeFigureOut">
               <a:rPr lang="en-US" smtClean="0"/>
               <a:pPr/>
-              <a:t>4/13/2022</a:t>
+              <a:t>4/17/2022</a:t>
             </a:fld>
             <a:endParaRPr lang="en-US" dirty="0"/>
           </a:p>
@@ -4253,7 +4254,7 @@
             <a:fld id="{02640F58-564D-2B4F-AE67-E407BA4FCF45}" type="datetimeFigureOut">
               <a:rPr lang="en-US" smtClean="0"/>
               <a:pPr/>
-              <a:t>4/13/2022</a:t>
+              <a:t>4/17/2022</a:t>
             </a:fld>
             <a:endParaRPr lang="en-US" dirty="0"/>
           </a:p>
@@ -4403,7 +4404,7 @@
             <a:fld id="{F13A34C8-038E-2045-AF43-DF7DBB8E0E9E}" type="datetimeFigureOut">
               <a:rPr lang="en-US" smtClean="0"/>
               <a:pPr/>
-              <a:t>4/13/2022</a:t>
+              <a:t>4/17/2022</a:t>
             </a:fld>
             <a:endParaRPr lang="en-US" dirty="0"/>
           </a:p>
@@ -4530,7 +4531,7 @@
             <a:fld id="{8818C68F-D26B-8F47-958C-23B49CF8A634}" type="datetimeFigureOut">
               <a:rPr lang="en-US" smtClean="0"/>
               <a:pPr/>
-              <a:t>4/13/2022</a:t>
+              <a:t>4/17/2022</a:t>
             </a:fld>
             <a:endParaRPr lang="en-US" dirty="0"/>
           </a:p>
@@ -4817,7 +4818,7 @@
             <a:fld id="{D0DF5E60-9974-AC48-9591-99C2BB44B7CF}" type="datetimeFigureOut">
               <a:rPr lang="en-US" smtClean="0"/>
               <a:pPr/>
-              <a:t>4/13/2022</a:t>
+              <a:t>4/17/2022</a:t>
             </a:fld>
             <a:endParaRPr lang="en-US" dirty="0"/>
           </a:p>
@@ -5143,7 +5144,7 @@
             <a:fld id="{09B482E8-6E0E-1B4F-B1FD-C69DB9E858D9}" type="datetimeFigureOut">
               <a:rPr lang="en-US" smtClean="0"/>
               <a:pPr/>
-              <a:t>4/13/2022</a:t>
+              <a:t>4/17/2022</a:t>
             </a:fld>
             <a:endParaRPr lang="en-US" dirty="0"/>
           </a:p>
@@ -5360,7 +5361,7 @@
             <a:fld id="{09B482E8-6E0E-1B4F-B1FD-C69DB9E858D9}" type="datetimeFigureOut">
               <a:rPr lang="en-US" smtClean="0"/>
               <a:pPr/>
-              <a:t>4/13/2022</a:t>
+              <a:t>4/17/2022</a:t>
             </a:fld>
             <a:endParaRPr lang="en-US" dirty="0"/>
           </a:p>
@@ -5913,14 +5914,6 @@
               </a:rPr>
               <a:t> </a:t>
             </a:r>
-            <a:r>
-              <a:rPr lang="en-US" dirty="0">
-                <a:solidFill>
-                  <a:srgbClr val="00B0F0"/>
-                </a:solidFill>
-              </a:rPr>
-              <a:t/>
-            </a:r>
             <a:br>
               <a:rPr lang="en-US" dirty="0">
                 <a:solidFill>
@@ -5929,12 +5922,12 @@
               </a:rPr>
             </a:br>
             <a:r>
-              <a:rPr lang="en-US" dirty="0" smtClean="0">
+              <a:rPr lang="ru-RU" dirty="0" smtClean="0">
                 <a:solidFill>
                   <a:srgbClr val="00B0F0"/>
                 </a:solidFill>
               </a:rPr>
-              <a:t>Time Table</a:t>
+              <a:t>«Расписание»</a:t>
             </a:r>
             <a:endParaRPr lang="ru-RU" dirty="0">
               <a:solidFill>
@@ -5991,8 +5984,10 @@
                   </a:schemeClr>
                 </a:solidFill>
               </a:rPr>
-              <a:t>Плюхин </a:t>
-            </a:r>
+              <a:t>Плюхин Антон</a:t>
+            </a:r>
+          </a:p>
+          <a:p>
             <a:r>
               <a:rPr lang="ru-RU" sz="2500" dirty="0" smtClean="0">
                 <a:solidFill>
@@ -6002,29 +5997,8 @@
                   </a:schemeClr>
                 </a:solidFill>
               </a:rPr>
-              <a:t>Антон</a:t>
-            </a:r>
-          </a:p>
-          <a:p>
-            <a:r>
-              <a:rPr lang="ru-RU" sz="2500" dirty="0" smtClean="0">
-                <a:solidFill>
-                  <a:schemeClr val="accent4">
-                    <a:lumMod val="60000"/>
-                    <a:lumOff val="40000"/>
-                  </a:schemeClr>
-                </a:solidFill>
-              </a:rPr>
               <a:t>Булдаков Арсений</a:t>
             </a:r>
-            <a:endParaRPr lang="ru-RU" sz="2500" dirty="0" smtClean="0">
-              <a:solidFill>
-                <a:schemeClr val="accent4">
-                  <a:lumMod val="60000"/>
-                  <a:lumOff val="40000"/>
-                </a:schemeClr>
-              </a:solidFill>
-            </a:endParaRPr>
           </a:p>
         </p:txBody>
       </p:sp>
@@ -6109,10 +6083,128 @@
           <a:lstStyle/>
           <a:p>
             <a:r>
-              <a:rPr lang="ru-RU" dirty="0" smtClean="0"/>
-              <a:t>Наш проект это удобно редактируемое и просматриваемое расписание уроков для школ</a:t>
-            </a:r>
-            <a:endParaRPr lang="ru-RU" dirty="0"/>
+              <a:rPr lang="ru-RU" sz="4800" cap="all" dirty="0">
+                <a:solidFill>
+                  <a:srgbClr val="00B0F0"/>
+                </a:solidFill>
+              </a:rPr>
+              <a:t>Идея</a:t>
+            </a:r>
+            <a:endParaRPr lang="ru-RU" sz="4800" cap="all" dirty="0">
+              <a:solidFill>
+                <a:srgbClr val="00B0F0"/>
+              </a:solidFill>
+            </a:endParaRPr>
+          </a:p>
+        </p:txBody>
+      </p:sp>
+      <p:sp>
+        <p:nvSpPr>
+          <p:cNvPr id="2" name="TextBox 1"/>
+          <p:cNvSpPr txBox="1"/>
+          <p:nvPr/>
+        </p:nvSpPr>
+        <p:spPr>
+          <a:xfrm>
+            <a:off x="0" y="1388225"/>
+            <a:ext cx="12192000" cy="1569660"/>
+          </a:xfrm>
+          <a:prstGeom prst="rect">
+            <a:avLst/>
+          </a:prstGeom>
+          <a:noFill/>
+        </p:spPr>
+        <p:txBody>
+          <a:bodyPr wrap="square" rtlCol="0">
+            <a:spAutoFit/>
+          </a:bodyPr>
+          <a:lstStyle/>
+          <a:p>
+            <a:r>
+              <a:rPr lang="ru-RU" sz="3200" dirty="0">
+                <a:ln w="3175" cmpd="sng">
+                  <a:noFill/>
+                </a:ln>
+                <a:latin typeface="+mj-lt"/>
+                <a:ea typeface="+mj-ea"/>
+                <a:cs typeface="+mj-cs"/>
+              </a:rPr>
+              <a:t>Во многих школах существует централизованная система расписания, однако существует потребность в системе оторванной от общей.</a:t>
+            </a:r>
+            <a:endParaRPr lang="ru-RU" sz="3200" dirty="0">
+              <a:ln w="3175" cmpd="sng">
+                <a:noFill/>
+              </a:ln>
+              <a:latin typeface="+mj-lt"/>
+              <a:ea typeface="+mj-ea"/>
+              <a:cs typeface="+mj-cs"/>
+            </a:endParaRPr>
+          </a:p>
+        </p:txBody>
+      </p:sp>
+      <p:sp>
+        <p:nvSpPr>
+          <p:cNvPr id="5" name="TextBox 4"/>
+          <p:cNvSpPr txBox="1"/>
+          <p:nvPr/>
+        </p:nvSpPr>
+        <p:spPr>
+          <a:xfrm>
+            <a:off x="0" y="2957885"/>
+            <a:ext cx="12192000" cy="584775"/>
+          </a:xfrm>
+          <a:prstGeom prst="rect">
+            <a:avLst/>
+          </a:prstGeom>
+          <a:noFill/>
+        </p:spPr>
+        <p:txBody>
+          <a:bodyPr wrap="square" rtlCol="0">
+            <a:spAutoFit/>
+          </a:bodyPr>
+          <a:lstStyle/>
+          <a:p>
+            <a:r>
+              <a:rPr lang="ru-RU" sz="3200" dirty="0">
+                <a:ln w="3175" cmpd="sng">
+                  <a:noFill/>
+                </a:ln>
+                <a:latin typeface="+mj-lt"/>
+                <a:ea typeface="+mj-ea"/>
+                <a:cs typeface="+mj-cs"/>
+              </a:rPr>
+              <a:t>Поэтому мы решили создать свою </a:t>
+            </a:r>
+            <a:r>
+              <a:rPr lang="ru-RU" sz="3200" dirty="0">
+                <a:ln w="3175" cmpd="sng">
+                  <a:noFill/>
+                </a:ln>
+                <a:latin typeface="+mj-lt"/>
+                <a:ea typeface="+mj-ea"/>
+                <a:cs typeface="+mj-cs"/>
+              </a:rPr>
+              <a:t>систему</a:t>
+            </a:r>
+            <a:r>
+              <a:rPr lang="ru-RU" sz="3200" dirty="0">
+                <a:ln w="3175" cmpd="sng">
+                  <a:noFill/>
+                </a:ln>
+                <a:latin typeface="+mj-lt"/>
+                <a:ea typeface="+mj-ea"/>
+                <a:cs typeface="+mj-cs"/>
+              </a:rPr>
+              <a:t> расписания.</a:t>
+            </a:r>
+            <a:endParaRPr lang="ru-RU" sz="3200" dirty="0">
+              <a:ln w="3175" cmpd="sng">
+                <a:noFill/>
+              </a:ln>
+              <a:latin typeface="+mj-lt"/>
+              <a:ea typeface="+mj-ea"/>
+              <a:cs typeface="+mj-cs"/>
+            </a:endParaRPr>
           </a:p>
         </p:txBody>
       </p:sp>
@@ -6158,7 +6250,7 @@
         </p:nvSpPr>
         <p:spPr>
           <a:xfrm>
-            <a:off x="0" y="0"/>
+            <a:off x="0" y="897774"/>
             <a:ext cx="10131425" cy="5951913"/>
           </a:xfrm>
         </p:spPr>
@@ -6235,6 +6327,56 @@
               <a:rPr lang="ru-RU" sz="3200" i="1" dirty="0"/>
             </a:br>
             <a:endParaRPr lang="ru-RU" sz="3200" cap="none" dirty="0"/>
+          </a:p>
+        </p:txBody>
+      </p:sp>
+      <p:sp>
+        <p:nvSpPr>
+          <p:cNvPr id="3" name="TextBox 2"/>
+          <p:cNvSpPr txBox="1"/>
+          <p:nvPr/>
+        </p:nvSpPr>
+        <p:spPr>
+          <a:xfrm>
+            <a:off x="0" y="0"/>
+            <a:ext cx="5212080" cy="830997"/>
+          </a:xfrm>
+          <a:prstGeom prst="rect">
+            <a:avLst/>
+          </a:prstGeom>
+          <a:noFill/>
+        </p:spPr>
+        <p:txBody>
+          <a:bodyPr wrap="square" rtlCol="0">
+            <a:spAutoFit/>
+          </a:bodyPr>
+          <a:lstStyle/>
+          <a:p>
+            <a:r>
+              <a:rPr lang="ru-RU" sz="4800" cap="all" dirty="0">
+                <a:ln w="3175" cmpd="sng">
+                  <a:noFill/>
+                </a:ln>
+                <a:solidFill>
+                  <a:srgbClr val="00B0F0"/>
+                </a:solidFill>
+                <a:latin typeface="+mj-lt"/>
+                <a:ea typeface="+mj-ea"/>
+                <a:cs typeface="+mj-cs"/>
+              </a:rPr>
+              <a:t>Технологии</a:t>
+            </a:r>
+            <a:endParaRPr lang="ru-RU" sz="4800" cap="all" dirty="0">
+              <a:ln w="3175" cmpd="sng">
+                <a:noFill/>
+              </a:ln>
+              <a:solidFill>
+                <a:srgbClr val="00B0F0"/>
+              </a:solidFill>
+              <a:latin typeface="+mj-lt"/>
+              <a:ea typeface="+mj-ea"/>
+              <a:cs typeface="+mj-cs"/>
+            </a:endParaRPr>
           </a:p>
         </p:txBody>
       </p:sp>
@@ -6280,7 +6422,7 @@
         </p:nvSpPr>
         <p:spPr>
           <a:xfrm>
-            <a:off x="685801" y="609600"/>
+            <a:off x="0" y="750917"/>
             <a:ext cx="10131425" cy="3156065"/>
           </a:xfrm>
         </p:spPr>
@@ -6320,6 +6462,144 @@
     <p:extLst>
       <p:ext uri="{BB962C8B-B14F-4D97-AF65-F5344CB8AC3E}">
         <p14:creationId xmlns:p14="http://schemas.microsoft.com/office/powerpoint/2010/main" val="704063295"/>
+      </p:ext>
+    </p:extLst>
+  </p:cSld>
+  <p:clrMapOvr>
+    <a:masterClrMapping/>
+  </p:clrMapOvr>
+</p:sld>
+</file>
+
+<file path=ppt/slides/slide5.xml><?xml version="1.0" encoding="utf-8"?>
+<p:sld xmlns:a="http://schemas.openxmlformats.org/drawingml/2006/main" xmlns:r="http://schemas.openxmlformats.org/officeDocument/2006/relationships" xmlns:p="http://schemas.openxmlformats.org/presentationml/2006/main">
+  <p:cSld>
+    <p:spTree>
+      <p:nvGrpSpPr>
+        <p:cNvPr id="1" name=""/>
+        <p:cNvGrpSpPr/>
+        <p:nvPr/>
+      </p:nvGrpSpPr>
+      <p:grpSpPr>
+        <a:xfrm>
+          <a:off x="0" y="0"/>
+          <a:ext cx="0" cy="0"/>
+          <a:chOff x="0" y="0"/>
+          <a:chExt cx="0" cy="0"/>
+        </a:xfrm>
+      </p:grpSpPr>
+      <p:sp>
+        <p:nvSpPr>
+          <p:cNvPr id="2" name="TextBox 1"/>
+          <p:cNvSpPr txBox="1"/>
+          <p:nvPr/>
+        </p:nvSpPr>
+        <p:spPr>
+          <a:xfrm>
+            <a:off x="0" y="0"/>
+            <a:ext cx="5212080" cy="830997"/>
+          </a:xfrm>
+          <a:prstGeom prst="rect">
+            <a:avLst/>
+          </a:prstGeom>
+          <a:noFill/>
+        </p:spPr>
+        <p:txBody>
+          <a:bodyPr wrap="square" rtlCol="0">
+            <a:spAutoFit/>
+          </a:bodyPr>
+          <a:lstStyle/>
+          <a:p>
+            <a:r>
+              <a:rPr lang="ru-RU" sz="4800" cap="all" dirty="0" smtClean="0">
+                <a:ln w="3175" cmpd="sng">
+                  <a:noFill/>
+                </a:ln>
+                <a:solidFill>
+                  <a:srgbClr val="00B0F0"/>
+                </a:solidFill>
+                <a:latin typeface="+mj-lt"/>
+                <a:ea typeface="+mj-ea"/>
+                <a:cs typeface="+mj-cs"/>
+              </a:rPr>
+              <a:t>Заключение</a:t>
+            </a:r>
+            <a:endParaRPr lang="ru-RU" sz="4800" cap="all" dirty="0">
+              <a:ln w="3175" cmpd="sng">
+                <a:noFill/>
+              </a:ln>
+              <a:solidFill>
+                <a:srgbClr val="00B0F0"/>
+              </a:solidFill>
+              <a:latin typeface="+mj-lt"/>
+              <a:ea typeface="+mj-ea"/>
+              <a:cs typeface="+mj-cs"/>
+            </a:endParaRPr>
+          </a:p>
+        </p:txBody>
+      </p:sp>
+      <p:sp>
+        <p:nvSpPr>
+          <p:cNvPr id="3" name="TextBox 2"/>
+          <p:cNvSpPr txBox="1"/>
+          <p:nvPr/>
+        </p:nvSpPr>
+        <p:spPr>
+          <a:xfrm>
+            <a:off x="0" y="830997"/>
+            <a:ext cx="12192000" cy="1077218"/>
+          </a:xfrm>
+          <a:prstGeom prst="rect">
+            <a:avLst/>
+          </a:prstGeom>
+          <a:noFill/>
+        </p:spPr>
+        <p:txBody>
+          <a:bodyPr wrap="square" rtlCol="0">
+            <a:spAutoFit/>
+          </a:bodyPr>
+          <a:lstStyle/>
+          <a:p>
+            <a:r>
+              <a:rPr lang="ru-RU" sz="3200" dirty="0">
+                <a:ln w="3175" cmpd="sng">
+                  <a:noFill/>
+                </a:ln>
+                <a:latin typeface="+mj-lt"/>
+                <a:ea typeface="+mj-ea"/>
+                <a:cs typeface="+mj-cs"/>
+              </a:rPr>
+              <a:t>Для дальнейшего развития проекта можно создать приложение на </a:t>
+            </a:r>
+            <a:r>
+              <a:rPr lang="en-US" sz="3200" dirty="0" err="1">
+                <a:ln w="3175" cmpd="sng">
+                  <a:noFill/>
+                </a:ln>
+                <a:latin typeface="+mj-lt"/>
+                <a:ea typeface="+mj-ea"/>
+                <a:cs typeface="+mj-cs"/>
+              </a:rPr>
+              <a:t>PyQT</a:t>
+            </a:r>
+            <a:r>
+              <a:rPr lang="ru-RU" sz="3200" dirty="0">
+                <a:ln w="3175" cmpd="sng">
+                  <a:noFill/>
+                </a:ln>
+                <a:latin typeface="+mj-lt"/>
+                <a:ea typeface="+mj-ea"/>
+                <a:cs typeface="+mj-cs"/>
+              </a:rPr>
+              <a:t>.</a:t>
+            </a:r>
+          </a:p>
+        </p:txBody>
+      </p:sp>
+    </p:spTree>
+    <p:extLst>
+      <p:ext uri="{BB962C8B-B14F-4D97-AF65-F5344CB8AC3E}">
+        <p14:creationId xmlns:p14="http://schemas.microsoft.com/office/powerpoint/2010/main" val="492808562"/>
       </p:ext>
     </p:extLst>
   </p:cSld>
